--- a/CryptoPeek/CryptoPeek-Čepela​.pptx
+++ b/CryptoPeek/CryptoPeek-Čepela​.pptx
@@ -109,6 +109,11 @@
       </a:defRPr>
     </a:lvl9pPr>
   </p:defaultTextStyle>
+  <p:extLst>
+    <p:ext uri="{EFAFB233-063F-42B5-8137-9DF3F51BA10A}">
+      <p15:sldGuideLst xmlns:p15="http://schemas.microsoft.com/office/powerpoint/2012/main"/>
+    </p:ext>
+  </p:extLst>
 </p:presentation>
 </file>
 
@@ -3774,7 +3779,7 @@
           <a:p>
             <a:r>
               <a:rPr lang="cs-CZ" dirty="0"/>
-              <a:t>Aplikace byla vyvinuta z důvodu mé vlastní potřeby, abych měl rychlí a jednoduchý přístup ke zjištění kurzu a novinek</a:t>
+              <a:t>Aplikace byla vyvinuta z důvodu mé vlastní potřeby, abych měl rychlý a jednoduchý přístup ke zjištění kurzu a novinek</a:t>
             </a:r>
           </a:p>
           <a:p>
@@ -3895,7 +3900,7 @@
           <a:p>
             <a:r>
               <a:rPr lang="cs-CZ" dirty="0"/>
-              <a:t>Rychlí přehled </a:t>
+              <a:t>Rychlý přehled </a:t>
             </a:r>
             <a:r>
               <a:rPr lang="cs-CZ" b="1" dirty="0">
@@ -3933,7 +3938,7 @@
             </a:r>
             <a:r>
               <a:rPr lang="cs-CZ" dirty="0"/>
-              <a:t>(vyhledá všechny měny, které byli uvedeny na </a:t>
+              <a:t>(vyhledá všechny měny, které byly uvedeny na </a:t>
             </a:r>
             <a:r>
               <a:rPr lang="cs-CZ" dirty="0" err="1"/>
